--- a/ppt/6-buider-pattern.pptx
+++ b/ppt/6-buider-pattern.pptx
@@ -12458,6 +12458,45 @@
           </a:prstGeom>
         </p:spPr>
       </p:pic>
+      <p:sp>
+        <p:nvSpPr>
+          <p:cNvPr id="3" name="燕尾形箭头 2"/>
+          <p:cNvSpPr/>
+          <p:nvPr/>
+        </p:nvSpPr>
+        <p:spPr>
+          <a:xfrm>
+            <a:off x="979805" y="4742180"/>
+            <a:ext cx="346710" cy="287020"/>
+          </a:xfrm>
+          <a:prstGeom prst="notchedRightArrow">
+            <a:avLst/>
+          </a:prstGeom>
+        </p:spPr>
+        <p:style>
+          <a:lnRef idx="2">
+            <a:schemeClr val="accent1">
+              <a:shade val="50000"/>
+            </a:schemeClr>
+          </a:lnRef>
+          <a:fillRef idx="1">
+            <a:schemeClr val="accent1"/>
+          </a:fillRef>
+          <a:effectRef idx="0">
+            <a:schemeClr val="accent1"/>
+          </a:effectRef>
+          <a:fontRef idx="minor">
+            <a:schemeClr val="lt1"/>
+          </a:fontRef>
+        </p:style>
+        <p:txBody>
+          <a:bodyPr rtlCol="0" anchor="ctr"/>
+          <a:p>
+            <a:pPr algn="ctr"/>
+            <a:endParaRPr lang="zh-CN" altLang="en-US"/>
+          </a:p>
+        </p:txBody>
+      </p:sp>
     </p:spTree>
     <p:custDataLst>
       <p:tags r:id="rId5"/>
@@ -12576,7 +12615,7 @@
                   <a:schemeClr val="accent1"/>
                 </a:solidFill>
               </a:rPr>
-              <a:t>参数过多，构造函数参数列表过长</a:t>
+              <a:t>参数过多，构造函数参数列表过长，输入顺序容易搞错</a:t>
             </a:r>
             <a:endParaRPr>
               <a:solidFill>
@@ -12592,7 +12631,7 @@
                   <a:schemeClr val="accent1"/>
                 </a:solidFill>
               </a:rPr>
-              <a:t>参数过多，导致输入顺序错误，构建失败</a:t>
+              <a:t>可读性差，易用性差</a:t>
             </a:r>
             <a:endParaRPr>
               <a:solidFill>
@@ -12601,6 +12640,22 @@
             </a:endParaRPr>
           </a:p>
           <a:p>
+            <a:pPr lvl="0"/>
+            <a:r>
+              <a:rPr lang="en-US" altLang="zh-CN">
+                <a:solidFill>
+                  <a:schemeClr val="accent1"/>
+                </a:solidFill>
+              </a:rPr>
+              <a:t>set</a:t>
+            </a:r>
+            <a:endParaRPr lang="en-US" altLang="zh-CN">
+              <a:solidFill>
+                <a:schemeClr val="accent1"/>
+              </a:solidFill>
+            </a:endParaRPr>
+          </a:p>
+          <a:p>
             <a:pPr lvl="1"/>
             <a:r>
               <a:rPr>
@@ -12608,7 +12663,7 @@
                   <a:schemeClr val="accent1"/>
                 </a:solidFill>
               </a:rPr>
-              <a:t>可读性差，易用性差</a:t>
+              <a:t>当构造器必填参数过多，同样有构造函数的问题</a:t>
             </a:r>
             <a:endParaRPr>
               <a:solidFill>
@@ -12617,7 +12672,15 @@
             </a:endParaRPr>
           </a:p>
           <a:p>
-            <a:pPr lvl="0"/>
+            <a:pPr lvl="1"/>
+            <a:r>
+              <a:rPr>
+                <a:solidFill>
+                  <a:schemeClr val="accent1"/>
+                </a:solidFill>
+              </a:rPr>
+              <a:t>全部使用</a:t>
+            </a:r>
             <a:r>
               <a:rPr lang="en-US" altLang="zh-CN">
                 <a:solidFill>
@@ -12633,14 +12696,22 @@
             </a:endParaRPr>
           </a:p>
           <a:p>
-            <a:pPr lvl="1"/>
+            <a:pPr lvl="2"/>
             <a:r>
               <a:rPr>
                 <a:solidFill>
                   <a:schemeClr val="accent1"/>
                 </a:solidFill>
               </a:rPr>
-              <a:t>当构造器必填参数过多，同样有构造函数的问题</a:t>
+              <a:t>多字段必填校验无法解决</a:t>
+            </a:r>
+            <a:r>
+              <a:rPr lang="en-US" altLang="zh-CN">
+                <a:solidFill>
+                  <a:schemeClr val="accent1"/>
+                </a:solidFill>
+              </a:rPr>
+              <a:t> a != null and b != null</a:t>
             </a:r>
             <a:endParaRPr>
               <a:solidFill>
@@ -12649,14 +12720,14 @@
             </a:endParaRPr>
           </a:p>
           <a:p>
-            <a:pPr lvl="1"/>
+            <a:pPr lvl="2"/>
             <a:r>
               <a:rPr>
                 <a:solidFill>
                   <a:schemeClr val="accent1"/>
                 </a:solidFill>
               </a:rPr>
-              <a:t>全部使用</a:t>
+              <a:t>多字段依赖关系无法解决</a:t>
             </a:r>
             <a:r>
               <a:rPr lang="en-US" altLang="zh-CN">
@@ -12664,23 +12735,7 @@
                   <a:schemeClr val="accent1"/>
                 </a:solidFill>
               </a:rPr>
-              <a:t>set</a:t>
-            </a:r>
-            <a:endParaRPr lang="en-US" altLang="zh-CN">
-              <a:solidFill>
-                <a:schemeClr val="accent1"/>
-              </a:solidFill>
-            </a:endParaRPr>
-          </a:p>
-          <a:p>
-            <a:pPr lvl="2"/>
-            <a:r>
-              <a:rPr>
-                <a:solidFill>
-                  <a:schemeClr val="accent1"/>
-                </a:solidFill>
-              </a:rPr>
-              <a:t>都字段必填校验无法解决</a:t>
+              <a:t> a &gt; b &gt; c</a:t>
             </a:r>
             <a:endParaRPr>
               <a:solidFill>
@@ -12696,23 +12751,15 @@
                   <a:schemeClr val="accent1"/>
                 </a:solidFill>
               </a:rPr>
-              <a:t>多字段依赖关系无法解决</a:t>
-            </a:r>
-            <a:endParaRPr>
-              <a:solidFill>
-                <a:schemeClr val="accent1"/>
-              </a:solidFill>
-            </a:endParaRPr>
-          </a:p>
-          <a:p>
-            <a:pPr lvl="2"/>
-            <a:r>
-              <a:rPr>
+              <a:t>无法满足不可变对象</a:t>
+            </a:r>
+            <a:r>
+              <a:rPr lang="en-US" altLang="zh-CN">
                 <a:solidFill>
                   <a:schemeClr val="accent1"/>
                 </a:solidFill>
               </a:rPr>
-              <a:t>无法满足不可变对象</a:t>
+              <a:t> no set</a:t>
             </a:r>
             <a:endParaRPr lang="en-US" altLang="zh-CN">
               <a:solidFill>
